--- a/spring_leebs/src/main/webapp/WEB-INF/doc/구현기능 목록_2017.pptx
+++ b/spring_leebs/src/main/webapp/WEB-INF/doc/구현기능 목록_2017.pptx
@@ -3140,7 +3140,7 @@
         </p:nvSpPr>
         <p:spPr>
           <a:xfrm>
-            <a:off x="179512" y="736146"/>
+            <a:off x="197199" y="4797152"/>
             <a:ext cx="8748464" cy="369332"/>
           </a:xfrm>
           <a:prstGeom prst="rect">
@@ -3159,6 +3159,70 @@
             <a:r>
               <a:rPr lang="ko-KR" altLang="en-US" b="1" smtClean="0"/>
               <a:t>웹페이지에서 직접 이메일로 보낼 광고 페이지를 작성 후 이메일로 보내는 기능</a:t>
+            </a:r>
+            <a:endParaRPr lang="ko-KR" altLang="en-US" b="1"/>
+          </a:p>
+        </p:txBody>
+      </p:sp>
+      <p:sp>
+        <p:nvSpPr>
+          <p:cNvPr id="5" name="TextBox 4"/>
+          <p:cNvSpPr txBox="1"/>
+          <p:nvPr/>
+        </p:nvSpPr>
+        <p:spPr>
+          <a:xfrm>
+            <a:off x="179512" y="836712"/>
+            <a:ext cx="8748464" cy="369332"/>
+          </a:xfrm>
+          <a:prstGeom prst="rect">
+            <a:avLst/>
+          </a:prstGeom>
+          <a:solidFill>
+            <a:srgbClr val="FFC000"/>
+          </a:solidFill>
+        </p:spPr>
+        <p:txBody>
+          <a:bodyPr wrap="square" rtlCol="0">
+            <a:spAutoFit/>
+          </a:bodyPr>
+          <a:lstStyle/>
+          <a:p>
+            <a:r>
+              <a:rPr lang="ko-KR" altLang="en-US" b="1" smtClean="0"/>
+              <a:t>상품 주문 후 주문한 상품 정보를 이메일로 보내는 기능</a:t>
+            </a:r>
+            <a:endParaRPr lang="ko-KR" altLang="en-US" b="1"/>
+          </a:p>
+        </p:txBody>
+      </p:sp>
+      <p:sp>
+        <p:nvSpPr>
+          <p:cNvPr id="6" name="TextBox 5"/>
+          <p:cNvSpPr txBox="1"/>
+          <p:nvPr/>
+        </p:nvSpPr>
+        <p:spPr>
+          <a:xfrm>
+            <a:off x="197199" y="2348880"/>
+            <a:ext cx="8748464" cy="369332"/>
+          </a:xfrm>
+          <a:prstGeom prst="rect">
+            <a:avLst/>
+          </a:prstGeom>
+          <a:solidFill>
+            <a:srgbClr val="FFC000"/>
+          </a:solidFill>
+        </p:spPr>
+        <p:txBody>
+          <a:bodyPr wrap="square" rtlCol="0">
+            <a:spAutoFit/>
+          </a:bodyPr>
+          <a:lstStyle/>
+          <a:p>
+            <a:r>
+              <a:rPr lang="ko-KR" altLang="en-US" b="1" smtClean="0"/>
+              <a:t>회원 가입 및 회원 정보 수정 사항을 이멩일로 보내는 기능</a:t>
             </a:r>
             <a:endParaRPr lang="ko-KR" altLang="en-US" b="1"/>
           </a:p>

--- a/spring_leebs/src/main/webapp/WEB-INF/doc/구현기능 목록_2017.pptx
+++ b/spring_leebs/src/main/webapp/WEB-INF/doc/구현기능 목록_2017.pptx
@@ -6,8 +6,11 @@
   </p:sldMasterIdLst>
   <p:sldIdLst>
     <p:sldId id="258" r:id="rId2"/>
-    <p:sldId id="256" r:id="rId3"/>
-    <p:sldId id="257" r:id="rId4"/>
+    <p:sldId id="261" r:id="rId3"/>
+    <p:sldId id="259" r:id="rId4"/>
+    <p:sldId id="260" r:id="rId5"/>
+    <p:sldId id="256" r:id="rId6"/>
+    <p:sldId id="257" r:id="rId7"/>
   </p:sldIdLst>
   <p:sldSz cx="9144000" cy="6858000" type="screen4x3"/>
   <p:notesSz cx="6858000" cy="9144000"/>
@@ -290,7 +293,7 @@
           <a:p>
             <a:fld id="{CADCD372-0D63-451D-A07D-1D62C51D3DEB}" type="datetimeFigureOut">
               <a:rPr lang="ko-KR" altLang="en-US" smtClean="0"/>
-              <a:t>2017-11-13</a:t>
+              <a:t>2017-11-14</a:t>
             </a:fld>
             <a:endParaRPr lang="ko-KR" altLang="en-US"/>
           </a:p>
@@ -460,7 +463,7 @@
           <a:p>
             <a:fld id="{CADCD372-0D63-451D-A07D-1D62C51D3DEB}" type="datetimeFigureOut">
               <a:rPr lang="ko-KR" altLang="en-US" smtClean="0"/>
-              <a:t>2017-11-13</a:t>
+              <a:t>2017-11-14</a:t>
             </a:fld>
             <a:endParaRPr lang="ko-KR" altLang="en-US"/>
           </a:p>
@@ -640,7 +643,7 @@
           <a:p>
             <a:fld id="{CADCD372-0D63-451D-A07D-1D62C51D3DEB}" type="datetimeFigureOut">
               <a:rPr lang="ko-KR" altLang="en-US" smtClean="0"/>
-              <a:t>2017-11-13</a:t>
+              <a:t>2017-11-14</a:t>
             </a:fld>
             <a:endParaRPr lang="ko-KR" altLang="en-US"/>
           </a:p>
@@ -810,7 +813,7 @@
           <a:p>
             <a:fld id="{CADCD372-0D63-451D-A07D-1D62C51D3DEB}" type="datetimeFigureOut">
               <a:rPr lang="ko-KR" altLang="en-US" smtClean="0"/>
-              <a:t>2017-11-13</a:t>
+              <a:t>2017-11-14</a:t>
             </a:fld>
             <a:endParaRPr lang="ko-KR" altLang="en-US"/>
           </a:p>
@@ -1056,7 +1059,7 @@
           <a:p>
             <a:fld id="{CADCD372-0D63-451D-A07D-1D62C51D3DEB}" type="datetimeFigureOut">
               <a:rPr lang="ko-KR" altLang="en-US" smtClean="0"/>
-              <a:t>2017-11-13</a:t>
+              <a:t>2017-11-14</a:t>
             </a:fld>
             <a:endParaRPr lang="ko-KR" altLang="en-US"/>
           </a:p>
@@ -1344,7 +1347,7 @@
           <a:p>
             <a:fld id="{CADCD372-0D63-451D-A07D-1D62C51D3DEB}" type="datetimeFigureOut">
               <a:rPr lang="ko-KR" altLang="en-US" smtClean="0"/>
-              <a:t>2017-11-13</a:t>
+              <a:t>2017-11-14</a:t>
             </a:fld>
             <a:endParaRPr lang="ko-KR" altLang="en-US"/>
           </a:p>
@@ -1766,7 +1769,7 @@
           <a:p>
             <a:fld id="{CADCD372-0D63-451D-A07D-1D62C51D3DEB}" type="datetimeFigureOut">
               <a:rPr lang="ko-KR" altLang="en-US" smtClean="0"/>
-              <a:t>2017-11-13</a:t>
+              <a:t>2017-11-14</a:t>
             </a:fld>
             <a:endParaRPr lang="ko-KR" altLang="en-US"/>
           </a:p>
@@ -1884,7 +1887,7 @@
           <a:p>
             <a:fld id="{CADCD372-0D63-451D-A07D-1D62C51D3DEB}" type="datetimeFigureOut">
               <a:rPr lang="ko-KR" altLang="en-US" smtClean="0"/>
-              <a:t>2017-11-13</a:t>
+              <a:t>2017-11-14</a:t>
             </a:fld>
             <a:endParaRPr lang="ko-KR" altLang="en-US"/>
           </a:p>
@@ -1979,7 +1982,7 @@
           <a:p>
             <a:fld id="{CADCD372-0D63-451D-A07D-1D62C51D3DEB}" type="datetimeFigureOut">
               <a:rPr lang="ko-KR" altLang="en-US" smtClean="0"/>
-              <a:t>2017-11-13</a:t>
+              <a:t>2017-11-14</a:t>
             </a:fld>
             <a:endParaRPr lang="ko-KR" altLang="en-US"/>
           </a:p>
@@ -2256,7 +2259,7 @@
           <a:p>
             <a:fld id="{CADCD372-0D63-451D-A07D-1D62C51D3DEB}" type="datetimeFigureOut">
               <a:rPr lang="ko-KR" altLang="en-US" smtClean="0"/>
-              <a:t>2017-11-13</a:t>
+              <a:t>2017-11-14</a:t>
             </a:fld>
             <a:endParaRPr lang="ko-KR" altLang="en-US"/>
           </a:p>
@@ -2509,7 +2512,7 @@
           <a:p>
             <a:fld id="{CADCD372-0D63-451D-A07D-1D62C51D3DEB}" type="datetimeFigureOut">
               <a:rPr lang="ko-KR" altLang="en-US" smtClean="0"/>
-              <a:t>2017-11-13</a:t>
+              <a:t>2017-11-14</a:t>
             </a:fld>
             <a:endParaRPr lang="ko-KR" altLang="en-US"/>
           </a:p>
@@ -2722,7 +2725,7 @@
           <a:p>
             <a:fld id="{CADCD372-0D63-451D-A07D-1D62C51D3DEB}" type="datetimeFigureOut">
               <a:rPr lang="ko-KR" altLang="en-US" smtClean="0"/>
-              <a:t>2017-11-13</a:t>
+              <a:t>2017-11-14</a:t>
             </a:fld>
             <a:endParaRPr lang="ko-KR" altLang="en-US"/>
           </a:p>
@@ -3258,6 +3261,312 @@
           <a:chExt cx="0" cy="0"/>
         </a:xfrm>
       </p:grpSpPr>
+      <p:pic>
+        <p:nvPicPr>
+          <p:cNvPr id="1026" name="Picture 2"/>
+          <p:cNvPicPr>
+            <a:picLocks noChangeAspect="1" noChangeArrowheads="1"/>
+          </p:cNvPicPr>
+          <p:nvPr/>
+        </p:nvPicPr>
+        <p:blipFill>
+          <a:blip r:embed="rId2">
+            <a:extLst>
+              <a:ext uri="{28A0092B-C50C-407E-A947-70E740481C1C}">
+                <a14:useLocalDpi xmlns:a14="http://schemas.microsoft.com/office/drawing/2010/main" val="0"/>
+              </a:ext>
+            </a:extLst>
+          </a:blip>
+          <a:srcRect/>
+          <a:stretch>
+            <a:fillRect/>
+          </a:stretch>
+        </p:blipFill>
+        <p:spPr bwMode="auto">
+          <a:xfrm>
+            <a:off x="1115616" y="-14199"/>
+            <a:ext cx="7172325" cy="3829050"/>
+          </a:xfrm>
+          <a:prstGeom prst="rect">
+            <a:avLst/>
+          </a:prstGeom>
+          <a:noFill/>
+          <a:ln>
+            <a:noFill/>
+          </a:ln>
+          <a:extLst>
+            <a:ext uri="{909E8E84-426E-40DD-AFC4-6F175D3DCCD1}">
+              <a14:hiddenFill xmlns:a14="http://schemas.microsoft.com/office/drawing/2010/main">
+                <a:solidFill>
+                  <a:schemeClr val="accent1"/>
+                </a:solidFill>
+              </a14:hiddenFill>
+            </a:ext>
+            <a:ext uri="{91240B29-F687-4F45-9708-019B960494DF}">
+              <a14:hiddenLine xmlns:a14="http://schemas.microsoft.com/office/drawing/2010/main" w="9525">
+                <a:solidFill>
+                  <a:schemeClr val="tx1"/>
+                </a:solidFill>
+                <a:miter lim="800000"/>
+                <a:headEnd/>
+                <a:tailEnd/>
+              </a14:hiddenLine>
+            </a:ext>
+          </a:extLst>
+        </p:spPr>
+      </p:pic>
+      <p:pic>
+        <p:nvPicPr>
+          <p:cNvPr id="1027" name="Picture 3"/>
+          <p:cNvPicPr>
+            <a:picLocks noChangeAspect="1" noChangeArrowheads="1"/>
+          </p:cNvPicPr>
+          <p:nvPr/>
+        </p:nvPicPr>
+        <p:blipFill>
+          <a:blip r:embed="rId2">
+            <a:extLst>
+              <a:ext uri="{28A0092B-C50C-407E-A947-70E740481C1C}">
+                <a14:useLocalDpi xmlns:a14="http://schemas.microsoft.com/office/drawing/2010/main" val="0"/>
+              </a:ext>
+            </a:extLst>
+          </a:blip>
+          <a:srcRect/>
+          <a:stretch>
+            <a:fillRect/>
+          </a:stretch>
+        </p:blipFill>
+        <p:spPr bwMode="auto">
+          <a:xfrm>
+            <a:off x="1331640" y="4357721"/>
+            <a:ext cx="7172325" cy="3829050"/>
+          </a:xfrm>
+          <a:prstGeom prst="rect">
+            <a:avLst/>
+          </a:prstGeom>
+          <a:noFill/>
+          <a:ln>
+            <a:noFill/>
+          </a:ln>
+          <a:extLst>
+            <a:ext uri="{909E8E84-426E-40DD-AFC4-6F175D3DCCD1}">
+              <a14:hiddenFill xmlns:a14="http://schemas.microsoft.com/office/drawing/2010/main">
+                <a:solidFill>
+                  <a:schemeClr val="accent1"/>
+                </a:solidFill>
+              </a14:hiddenFill>
+            </a:ext>
+            <a:ext uri="{91240B29-F687-4F45-9708-019B960494DF}">
+              <a14:hiddenLine xmlns:a14="http://schemas.microsoft.com/office/drawing/2010/main" w="9525">
+                <a:solidFill>
+                  <a:schemeClr val="tx1"/>
+                </a:solidFill>
+                <a:miter lim="800000"/>
+                <a:headEnd/>
+                <a:tailEnd/>
+              </a14:hiddenLine>
+            </a:ext>
+          </a:extLst>
+        </p:spPr>
+      </p:pic>
+    </p:spTree>
+    <p:extLst>
+      <p:ext uri="{BB962C8B-B14F-4D97-AF65-F5344CB8AC3E}">
+        <p14:creationId xmlns:p14="http://schemas.microsoft.com/office/powerpoint/2010/main" val="3378519659"/>
+      </p:ext>
+    </p:extLst>
+  </p:cSld>
+  <p:clrMapOvr>
+    <a:masterClrMapping/>
+  </p:clrMapOvr>
+</p:sld>
+</file>
+
+<file path=ppt/slides/slide3.xml><?xml version="1.0" encoding="utf-8"?>
+<p:sld xmlns:a="http://schemas.openxmlformats.org/drawingml/2006/main" xmlns:r="http://schemas.openxmlformats.org/officeDocument/2006/relationships" xmlns:p="http://schemas.openxmlformats.org/presentationml/2006/main">
+  <p:cSld>
+    <p:spTree>
+      <p:nvGrpSpPr>
+        <p:cNvPr id="1" name=""/>
+        <p:cNvGrpSpPr/>
+        <p:nvPr/>
+      </p:nvGrpSpPr>
+      <p:grpSpPr>
+        <a:xfrm>
+          <a:off x="0" y="0"/>
+          <a:ext cx="0" cy="0"/>
+          <a:chOff x="0" y="0"/>
+          <a:chExt cx="0" cy="0"/>
+        </a:xfrm>
+      </p:grpSpPr>
+      <p:pic>
+        <p:nvPicPr>
+          <p:cNvPr id="2050" name="Picture 2"/>
+          <p:cNvPicPr>
+            <a:picLocks noChangeAspect="1" noChangeArrowheads="1"/>
+          </p:cNvPicPr>
+          <p:nvPr/>
+        </p:nvPicPr>
+        <p:blipFill>
+          <a:blip r:embed="rId2">
+            <a:extLst>
+              <a:ext uri="{28A0092B-C50C-407E-A947-70E740481C1C}">
+                <a14:useLocalDpi xmlns:a14="http://schemas.microsoft.com/office/drawing/2010/main" val="0"/>
+              </a:ext>
+            </a:extLst>
+          </a:blip>
+          <a:srcRect/>
+          <a:stretch>
+            <a:fillRect/>
+          </a:stretch>
+        </p:blipFill>
+        <p:spPr bwMode="auto">
+          <a:xfrm>
+            <a:off x="1018453" y="620688"/>
+            <a:ext cx="7077075" cy="4857750"/>
+          </a:xfrm>
+          <a:prstGeom prst="rect">
+            <a:avLst/>
+          </a:prstGeom>
+          <a:noFill/>
+          <a:ln>
+            <a:noFill/>
+          </a:ln>
+          <a:extLst>
+            <a:ext uri="{909E8E84-426E-40DD-AFC4-6F175D3DCCD1}">
+              <a14:hiddenFill xmlns:a14="http://schemas.microsoft.com/office/drawing/2010/main">
+                <a:solidFill>
+                  <a:schemeClr val="accent1"/>
+                </a:solidFill>
+              </a14:hiddenFill>
+            </a:ext>
+            <a:ext uri="{91240B29-F687-4F45-9708-019B960494DF}">
+              <a14:hiddenLine xmlns:a14="http://schemas.microsoft.com/office/drawing/2010/main" w="9525">
+                <a:solidFill>
+                  <a:schemeClr val="tx1"/>
+                </a:solidFill>
+                <a:miter lim="800000"/>
+                <a:headEnd/>
+                <a:tailEnd/>
+              </a14:hiddenLine>
+            </a:ext>
+          </a:extLst>
+        </p:spPr>
+      </p:pic>
+    </p:spTree>
+    <p:extLst>
+      <p:ext uri="{BB962C8B-B14F-4D97-AF65-F5344CB8AC3E}">
+        <p14:creationId xmlns:p14="http://schemas.microsoft.com/office/powerpoint/2010/main" val="3720073124"/>
+      </p:ext>
+    </p:extLst>
+  </p:cSld>
+  <p:clrMapOvr>
+    <a:masterClrMapping/>
+  </p:clrMapOvr>
+</p:sld>
+</file>
+
+<file path=ppt/slides/slide4.xml><?xml version="1.0" encoding="utf-8"?>
+<p:sld xmlns:a="http://schemas.openxmlformats.org/drawingml/2006/main" xmlns:r="http://schemas.openxmlformats.org/officeDocument/2006/relationships" xmlns:p="http://schemas.openxmlformats.org/presentationml/2006/main">
+  <p:cSld>
+    <p:spTree>
+      <p:nvGrpSpPr>
+        <p:cNvPr id="1" name=""/>
+        <p:cNvGrpSpPr/>
+        <p:nvPr/>
+      </p:nvGrpSpPr>
+      <p:grpSpPr>
+        <a:xfrm>
+          <a:off x="0" y="0"/>
+          <a:ext cx="0" cy="0"/>
+          <a:chOff x="0" y="0"/>
+          <a:chExt cx="0" cy="0"/>
+        </a:xfrm>
+      </p:grpSpPr>
+      <p:pic>
+        <p:nvPicPr>
+          <p:cNvPr id="3074" name="Picture 2"/>
+          <p:cNvPicPr>
+            <a:picLocks noChangeAspect="1" noChangeArrowheads="1"/>
+          </p:cNvPicPr>
+          <p:nvPr/>
+        </p:nvPicPr>
+        <p:blipFill>
+          <a:blip r:embed="rId2">
+            <a:extLst>
+              <a:ext uri="{28A0092B-C50C-407E-A947-70E740481C1C}">
+                <a14:useLocalDpi xmlns:a14="http://schemas.microsoft.com/office/drawing/2010/main" val="0"/>
+              </a:ext>
+            </a:extLst>
+          </a:blip>
+          <a:srcRect/>
+          <a:stretch>
+            <a:fillRect/>
+          </a:stretch>
+        </p:blipFill>
+        <p:spPr bwMode="auto">
+          <a:xfrm>
+            <a:off x="523875" y="1268760"/>
+            <a:ext cx="8096250" cy="3190875"/>
+          </a:xfrm>
+          <a:prstGeom prst="rect">
+            <a:avLst/>
+          </a:prstGeom>
+          <a:noFill/>
+          <a:ln>
+            <a:noFill/>
+          </a:ln>
+          <a:extLst>
+            <a:ext uri="{909E8E84-426E-40DD-AFC4-6F175D3DCCD1}">
+              <a14:hiddenFill xmlns:a14="http://schemas.microsoft.com/office/drawing/2010/main">
+                <a:solidFill>
+                  <a:schemeClr val="accent1"/>
+                </a:solidFill>
+              </a14:hiddenFill>
+            </a:ext>
+            <a:ext uri="{91240B29-F687-4F45-9708-019B960494DF}">
+              <a14:hiddenLine xmlns:a14="http://schemas.microsoft.com/office/drawing/2010/main" w="9525">
+                <a:solidFill>
+                  <a:schemeClr val="tx1"/>
+                </a:solidFill>
+                <a:miter lim="800000"/>
+                <a:headEnd/>
+                <a:tailEnd/>
+              </a14:hiddenLine>
+            </a:ext>
+          </a:extLst>
+        </p:spPr>
+      </p:pic>
+    </p:spTree>
+    <p:extLst>
+      <p:ext uri="{BB962C8B-B14F-4D97-AF65-F5344CB8AC3E}">
+        <p14:creationId xmlns:p14="http://schemas.microsoft.com/office/powerpoint/2010/main" val="1981741609"/>
+      </p:ext>
+    </p:extLst>
+  </p:cSld>
+  <p:clrMapOvr>
+    <a:masterClrMapping/>
+  </p:clrMapOvr>
+</p:sld>
+</file>
+
+<file path=ppt/slides/slide5.xml><?xml version="1.0" encoding="utf-8"?>
+<p:sld xmlns:a="http://schemas.openxmlformats.org/drawingml/2006/main" xmlns:r="http://schemas.openxmlformats.org/officeDocument/2006/relationships" xmlns:p="http://schemas.openxmlformats.org/presentationml/2006/main">
+  <p:cSld>
+    <p:spTree>
+      <p:nvGrpSpPr>
+        <p:cNvPr id="1" name=""/>
+        <p:cNvGrpSpPr/>
+        <p:nvPr/>
+      </p:nvGrpSpPr>
+      <p:grpSpPr>
+        <a:xfrm>
+          <a:off x="0" y="0"/>
+          <a:ext cx="0" cy="0"/>
+          <a:chOff x="0" y="0"/>
+          <a:chExt cx="0" cy="0"/>
+        </a:xfrm>
+      </p:grpSpPr>
       <p:sp>
         <p:nvSpPr>
           <p:cNvPr id="4" name="TextBox 3"/>
@@ -3350,7 +3659,7 @@
 </p:sld>
 </file>
 
-<file path=ppt/slides/slide3.xml><?xml version="1.0" encoding="utf-8"?>
+<file path=ppt/slides/slide6.xml><?xml version="1.0" encoding="utf-8"?>
 <p:sld xmlns:a="http://schemas.openxmlformats.org/drawingml/2006/main" xmlns:r="http://schemas.openxmlformats.org/officeDocument/2006/relationships" xmlns:p="http://schemas.openxmlformats.org/presentationml/2006/main">
   <p:cSld>
     <p:spTree>
